--- a/sources/editors.pptx
+++ b/sources/editors.pptx
@@ -6,6 +6,13 @@
   </p:sldMasterIdLst>
   <p:sldIdLst>
     <p:sldId id="256" r:id="rId2"/>
+    <p:sldId id="259" r:id="rId3"/>
+    <p:sldId id="260" r:id="rId4"/>
+    <p:sldId id="261" r:id="rId5"/>
+    <p:sldId id="257" r:id="rId6"/>
+    <p:sldId id="258" r:id="rId7"/>
+    <p:sldId id="262" r:id="rId8"/>
+    <p:sldId id="263" r:id="rId9"/>
   </p:sldIdLst>
   <p:sldSz cx="9144000" cy="6858000" type="screen4x3"/>
   <p:notesSz cx="6858000" cy="9144000"/>
@@ -288,7 +295,7 @@
           <a:p>
             <a:fld id="{3EB3812D-A7C1-44F6-A51A-6C7E5FB0FFC0}" type="datetimeFigureOut">
               <a:rPr lang="en-US" smtClean="0"/>
-              <a:t>7/6/2015</a:t>
+              <a:t>7/7/2015</a:t>
             </a:fld>
             <a:endParaRPr lang="en-US"/>
           </a:p>
@@ -458,7 +465,7 @@
           <a:p>
             <a:fld id="{3EB3812D-A7C1-44F6-A51A-6C7E5FB0FFC0}" type="datetimeFigureOut">
               <a:rPr lang="en-US" smtClean="0"/>
-              <a:t>7/6/2015</a:t>
+              <a:t>7/7/2015</a:t>
             </a:fld>
             <a:endParaRPr lang="en-US"/>
           </a:p>
@@ -638,7 +645,7 @@
           <a:p>
             <a:fld id="{3EB3812D-A7C1-44F6-A51A-6C7E5FB0FFC0}" type="datetimeFigureOut">
               <a:rPr lang="en-US" smtClean="0"/>
-              <a:t>7/6/2015</a:t>
+              <a:t>7/7/2015</a:t>
             </a:fld>
             <a:endParaRPr lang="en-US"/>
           </a:p>
@@ -808,7 +815,7 @@
           <a:p>
             <a:fld id="{3EB3812D-A7C1-44F6-A51A-6C7E5FB0FFC0}" type="datetimeFigureOut">
               <a:rPr lang="en-US" smtClean="0"/>
-              <a:t>7/6/2015</a:t>
+              <a:t>7/7/2015</a:t>
             </a:fld>
             <a:endParaRPr lang="en-US"/>
           </a:p>
@@ -1054,7 +1061,7 @@
           <a:p>
             <a:fld id="{3EB3812D-A7C1-44F6-A51A-6C7E5FB0FFC0}" type="datetimeFigureOut">
               <a:rPr lang="en-US" smtClean="0"/>
-              <a:t>7/6/2015</a:t>
+              <a:t>7/7/2015</a:t>
             </a:fld>
             <a:endParaRPr lang="en-US"/>
           </a:p>
@@ -1342,7 +1349,7 @@
           <a:p>
             <a:fld id="{3EB3812D-A7C1-44F6-A51A-6C7E5FB0FFC0}" type="datetimeFigureOut">
               <a:rPr lang="en-US" smtClean="0"/>
-              <a:t>7/6/2015</a:t>
+              <a:t>7/7/2015</a:t>
             </a:fld>
             <a:endParaRPr lang="en-US"/>
           </a:p>
@@ -1764,7 +1771,7 @@
           <a:p>
             <a:fld id="{3EB3812D-A7C1-44F6-A51A-6C7E5FB0FFC0}" type="datetimeFigureOut">
               <a:rPr lang="en-US" smtClean="0"/>
-              <a:t>7/6/2015</a:t>
+              <a:t>7/7/2015</a:t>
             </a:fld>
             <a:endParaRPr lang="en-US"/>
           </a:p>
@@ -1882,7 +1889,7 @@
           <a:p>
             <a:fld id="{3EB3812D-A7C1-44F6-A51A-6C7E5FB0FFC0}" type="datetimeFigureOut">
               <a:rPr lang="en-US" smtClean="0"/>
-              <a:t>7/6/2015</a:t>
+              <a:t>7/7/2015</a:t>
             </a:fld>
             <a:endParaRPr lang="en-US"/>
           </a:p>
@@ -1977,7 +1984,7 @@
           <a:p>
             <a:fld id="{3EB3812D-A7C1-44F6-A51A-6C7E5FB0FFC0}" type="datetimeFigureOut">
               <a:rPr lang="en-US" smtClean="0"/>
-              <a:t>7/6/2015</a:t>
+              <a:t>7/7/2015</a:t>
             </a:fld>
             <a:endParaRPr lang="en-US"/>
           </a:p>
@@ -2254,7 +2261,7 @@
           <a:p>
             <a:fld id="{3EB3812D-A7C1-44F6-A51A-6C7E5FB0FFC0}" type="datetimeFigureOut">
               <a:rPr lang="en-US" smtClean="0"/>
-              <a:t>7/6/2015</a:t>
+              <a:t>7/7/2015</a:t>
             </a:fld>
             <a:endParaRPr lang="en-US"/>
           </a:p>
@@ -2507,7 +2514,7 @@
           <a:p>
             <a:fld id="{3EB3812D-A7C1-44F6-A51A-6C7E5FB0FFC0}" type="datetimeFigureOut">
               <a:rPr lang="en-US" smtClean="0"/>
-              <a:t>7/6/2015</a:t>
+              <a:t>7/7/2015</a:t>
             </a:fld>
             <a:endParaRPr lang="en-US"/>
           </a:p>
@@ -2720,7 +2727,7 @@
           <a:p>
             <a:fld id="{3EB3812D-A7C1-44F6-A51A-6C7E5FB0FFC0}" type="datetimeFigureOut">
               <a:rPr lang="en-US" smtClean="0"/>
-              <a:t>7/6/2015</a:t>
+              <a:t>7/7/2015</a:t>
             </a:fld>
             <a:endParaRPr lang="en-US"/>
           </a:p>
@@ -3204,6 +3211,1017 @@
 </p:sld>
 </file>
 
+<file path=ppt/slides/slide2.xml><?xml version="1.0" encoding="utf-8"?>
+<p:sld xmlns:a="http://schemas.openxmlformats.org/drawingml/2006/main" xmlns:r="http://schemas.openxmlformats.org/officeDocument/2006/relationships" xmlns:p="http://schemas.openxmlformats.org/presentationml/2006/main">
+  <p:cSld>
+    <p:spTree>
+      <p:nvGrpSpPr>
+        <p:cNvPr id="1" name=""/>
+        <p:cNvGrpSpPr/>
+        <p:nvPr/>
+      </p:nvGrpSpPr>
+      <p:grpSpPr>
+        <a:xfrm>
+          <a:off x="0" y="0"/>
+          <a:ext cx="0" cy="0"/>
+          <a:chOff x="0" y="0"/>
+          <a:chExt cx="0" cy="0"/>
+        </a:xfrm>
+      </p:grpSpPr>
+      <p:sp>
+        <p:nvSpPr>
+          <p:cNvPr id="4" name="Rectangle 2"/>
+          <p:cNvSpPr>
+            <a:spLocks noChangeArrowheads="1"/>
+          </p:cNvSpPr>
+          <p:nvPr/>
+        </p:nvSpPr>
+        <p:spPr bwMode="auto">
+          <a:xfrm>
+            <a:off x="0" y="0"/>
+            <a:ext cx="9144000" cy="0"/>
+          </a:xfrm>
+          <a:prstGeom prst="rect">
+            <a:avLst/>
+          </a:prstGeom>
+          <a:noFill/>
+          <a:ln>
+            <a:noFill/>
+          </a:ln>
+          <a:effectLst/>
+          <a:extLst>
+            <a:ext uri="{909E8E84-426E-40DD-AFC4-6F175D3DCCD1}">
+              <a14:hiddenFill xmlns:a14="http://schemas.microsoft.com/office/drawing/2010/main">
+                <a:solidFill>
+                  <a:schemeClr val="accent1"/>
+                </a:solidFill>
+              </a14:hiddenFill>
+            </a:ext>
+            <a:ext uri="{91240B29-F687-4F45-9708-019B960494DF}">
+              <a14:hiddenLine xmlns:a14="http://schemas.microsoft.com/office/drawing/2010/main" w="9525">
+                <a:solidFill>
+                  <a:schemeClr val="tx1"/>
+                </a:solidFill>
+                <a:miter lim="800000"/>
+                <a:headEnd/>
+                <a:tailEnd/>
+              </a14:hiddenLine>
+            </a:ext>
+            <a:ext uri="{AF507438-7753-43E0-B8FC-AC1667EBCBE1}">
+              <a14:hiddenEffects xmlns:a14="http://schemas.microsoft.com/office/drawing/2010/main">
+                <a:effectLst>
+                  <a:outerShdw dist="35921" dir="2700000" algn="ctr" rotWithShape="0">
+                    <a:schemeClr val="bg2"/>
+                  </a:outerShdw>
+                </a:effectLst>
+              </a14:hiddenEffects>
+            </a:ext>
+          </a:extLst>
+        </p:spPr>
+        <p:txBody>
+          <a:bodyPr vert="horz" wrap="none" lIns="91440" tIns="45720" rIns="91440" bIns="45720" numCol="1" anchor="ctr" anchorCtr="0" compatLnSpc="1">
+            <a:prstTxWarp prst="textNoShape">
+              <a:avLst/>
+            </a:prstTxWarp>
+            <a:spAutoFit/>
+          </a:bodyPr>
+          <a:lstStyle/>
+          <a:p>
+            <a:endParaRPr lang="en-US"/>
+          </a:p>
+        </p:txBody>
+      </p:sp>
+      <p:graphicFrame>
+        <p:nvGraphicFramePr>
+          <p:cNvPr id="5" name="4 Objeto"/>
+          <p:cNvGraphicFramePr>
+            <a:graphicFrameLocks noChangeAspect="1"/>
+          </p:cNvGraphicFramePr>
+          <p:nvPr>
+            <p:extLst>
+              <p:ext uri="{D42A27DB-BD31-4B8C-83A1-F6EECF244321}">
+                <p14:modId xmlns:p14="http://schemas.microsoft.com/office/powerpoint/2010/main" val="1502419103"/>
+              </p:ext>
+            </p:extLst>
+          </p:nvPr>
+        </p:nvGraphicFramePr>
+        <p:xfrm>
+          <a:off x="0" y="0"/>
+          <a:ext cx="7284071" cy="4876800"/>
+        </p:xfrm>
+        <a:graphic>
+          <a:graphicData uri="http://schemas.openxmlformats.org/presentationml/2006/ole">
+            <mc:AlternateContent xmlns:mc="http://schemas.openxmlformats.org/markup-compatibility/2006">
+              <mc:Choice xmlns:v="urn:schemas-microsoft-com:vml" Requires="v">
+                <p:oleObj spid="_x0000_s3076" name="Visio" r:id="rId3" imgW="3394246" imgH="2257908" progId="Visio.Drawing.11">
+                  <p:embed/>
+                </p:oleObj>
+              </mc:Choice>
+              <mc:Fallback>
+                <p:oleObj name="Visio" r:id="rId3" imgW="3394246" imgH="2257908" progId="Visio.Drawing.11">
+                  <p:embed/>
+                  <p:pic>
+                    <p:nvPicPr>
+                      <p:cNvPr id="0" name="Object 1"/>
+                      <p:cNvPicPr>
+                        <a:picLocks noChangeAspect="1" noChangeArrowheads="1"/>
+                      </p:cNvPicPr>
+                      <p:nvPr/>
+                    </p:nvPicPr>
+                    <p:blipFill>
+                      <a:blip r:embed="rId4">
+                        <a:extLst>
+                          <a:ext uri="{28A0092B-C50C-407E-A947-70E740481C1C}">
+                            <a14:useLocalDpi xmlns:a14="http://schemas.microsoft.com/office/drawing/2010/main" val="0"/>
+                          </a:ext>
+                        </a:extLst>
+                      </a:blip>
+                      <a:srcRect/>
+                      <a:stretch>
+                        <a:fillRect/>
+                      </a:stretch>
+                    </p:blipFill>
+                    <p:spPr bwMode="auto">
+                      <a:xfrm>
+                        <a:off x="0" y="0"/>
+                        <a:ext cx="7284071" cy="4876800"/>
+                      </a:xfrm>
+                      <a:prstGeom prst="rect">
+                        <a:avLst/>
+                      </a:prstGeom>
+                      <a:noFill/>
+                    </p:spPr>
+                  </p:pic>
+                </p:oleObj>
+              </mc:Fallback>
+            </mc:AlternateContent>
+          </a:graphicData>
+        </a:graphic>
+      </p:graphicFrame>
+    </p:spTree>
+    <p:extLst>
+      <p:ext uri="{BB962C8B-B14F-4D97-AF65-F5344CB8AC3E}">
+        <p14:creationId xmlns:p14="http://schemas.microsoft.com/office/powerpoint/2010/main" val="2076761262"/>
+      </p:ext>
+    </p:extLst>
+  </p:cSld>
+  <p:clrMapOvr>
+    <a:masterClrMapping/>
+  </p:clrMapOvr>
+  <p:timing>
+    <p:tnLst>
+      <p:par>
+        <p:cTn id="1" dur="indefinite" restart="never" nodeType="tmRoot"/>
+      </p:par>
+    </p:tnLst>
+  </p:timing>
+</p:sld>
+</file>
+
+<file path=ppt/slides/slide3.xml><?xml version="1.0" encoding="utf-8"?>
+<p:sld xmlns:a="http://schemas.openxmlformats.org/drawingml/2006/main" xmlns:r="http://schemas.openxmlformats.org/officeDocument/2006/relationships" xmlns:p="http://schemas.openxmlformats.org/presentationml/2006/main">
+  <p:cSld>
+    <p:spTree>
+      <p:nvGrpSpPr>
+        <p:cNvPr id="1" name=""/>
+        <p:cNvGrpSpPr/>
+        <p:nvPr/>
+      </p:nvGrpSpPr>
+      <p:grpSpPr>
+        <a:xfrm>
+          <a:off x="0" y="0"/>
+          <a:ext cx="0" cy="0"/>
+          <a:chOff x="0" y="0"/>
+          <a:chExt cx="0" cy="0"/>
+        </a:xfrm>
+      </p:grpSpPr>
+      <p:sp>
+        <p:nvSpPr>
+          <p:cNvPr id="4" name="Rectangle 2"/>
+          <p:cNvSpPr>
+            <a:spLocks noChangeArrowheads="1"/>
+          </p:cNvSpPr>
+          <p:nvPr/>
+        </p:nvSpPr>
+        <p:spPr bwMode="auto">
+          <a:xfrm>
+            <a:off x="0" y="0"/>
+            <a:ext cx="9144000" cy="0"/>
+          </a:xfrm>
+          <a:prstGeom prst="rect">
+            <a:avLst/>
+          </a:prstGeom>
+          <a:noFill/>
+          <a:ln>
+            <a:noFill/>
+          </a:ln>
+          <a:effectLst/>
+          <a:extLst>
+            <a:ext uri="{909E8E84-426E-40DD-AFC4-6F175D3DCCD1}">
+              <a14:hiddenFill xmlns:a14="http://schemas.microsoft.com/office/drawing/2010/main">
+                <a:solidFill>
+                  <a:schemeClr val="accent1"/>
+                </a:solidFill>
+              </a14:hiddenFill>
+            </a:ext>
+            <a:ext uri="{91240B29-F687-4F45-9708-019B960494DF}">
+              <a14:hiddenLine xmlns:a14="http://schemas.microsoft.com/office/drawing/2010/main" w="9525">
+                <a:solidFill>
+                  <a:schemeClr val="tx1"/>
+                </a:solidFill>
+                <a:miter lim="800000"/>
+                <a:headEnd/>
+                <a:tailEnd/>
+              </a14:hiddenLine>
+            </a:ext>
+            <a:ext uri="{AF507438-7753-43E0-B8FC-AC1667EBCBE1}">
+              <a14:hiddenEffects xmlns:a14="http://schemas.microsoft.com/office/drawing/2010/main">
+                <a:effectLst>
+                  <a:outerShdw dist="35921" dir="2700000" algn="ctr" rotWithShape="0">
+                    <a:schemeClr val="bg2"/>
+                  </a:outerShdw>
+                </a:effectLst>
+              </a14:hiddenEffects>
+            </a:ext>
+          </a:extLst>
+        </p:spPr>
+        <p:txBody>
+          <a:bodyPr vert="horz" wrap="none" lIns="91440" tIns="45720" rIns="91440" bIns="45720" numCol="1" anchor="ctr" anchorCtr="0" compatLnSpc="1">
+            <a:prstTxWarp prst="textNoShape">
+              <a:avLst/>
+            </a:prstTxWarp>
+            <a:spAutoFit/>
+          </a:bodyPr>
+          <a:lstStyle/>
+          <a:p>
+            <a:endParaRPr lang="en-US"/>
+          </a:p>
+        </p:txBody>
+      </p:sp>
+      <p:graphicFrame>
+        <p:nvGraphicFramePr>
+          <p:cNvPr id="5" name="4 Objeto"/>
+          <p:cNvGraphicFramePr>
+            <a:graphicFrameLocks noChangeAspect="1"/>
+          </p:cNvGraphicFramePr>
+          <p:nvPr>
+            <p:extLst>
+              <p:ext uri="{D42A27DB-BD31-4B8C-83A1-F6EECF244321}">
+                <p14:modId xmlns:p14="http://schemas.microsoft.com/office/powerpoint/2010/main" val="3031509646"/>
+              </p:ext>
+            </p:extLst>
+          </p:nvPr>
+        </p:nvGraphicFramePr>
+        <p:xfrm>
+          <a:off x="0" y="0"/>
+          <a:ext cx="10723972" cy="5638800"/>
+        </p:xfrm>
+        <a:graphic>
+          <a:graphicData uri="http://schemas.openxmlformats.org/presentationml/2006/ole">
+            <mc:AlternateContent xmlns:mc="http://schemas.openxmlformats.org/markup-compatibility/2006">
+              <mc:Choice xmlns:v="urn:schemas-microsoft-com:vml" Requires="v">
+                <p:oleObj spid="_x0000_s4100" name="Visio" r:id="rId3" imgW="5898892" imgH="3136109" progId="Visio.Drawing.11">
+                  <p:embed/>
+                </p:oleObj>
+              </mc:Choice>
+              <mc:Fallback>
+                <p:oleObj name="Visio" r:id="rId3" imgW="5898892" imgH="3136109" progId="Visio.Drawing.11">
+                  <p:embed/>
+                  <p:pic>
+                    <p:nvPicPr>
+                      <p:cNvPr id="0" name="Object 1"/>
+                      <p:cNvPicPr>
+                        <a:picLocks noChangeAspect="1" noChangeArrowheads="1"/>
+                      </p:cNvPicPr>
+                      <p:nvPr/>
+                    </p:nvPicPr>
+                    <p:blipFill>
+                      <a:blip r:embed="rId4">
+                        <a:extLst>
+                          <a:ext uri="{28A0092B-C50C-407E-A947-70E740481C1C}">
+                            <a14:useLocalDpi xmlns:a14="http://schemas.microsoft.com/office/drawing/2010/main" val="0"/>
+                          </a:ext>
+                        </a:extLst>
+                      </a:blip>
+                      <a:srcRect/>
+                      <a:stretch>
+                        <a:fillRect/>
+                      </a:stretch>
+                    </p:blipFill>
+                    <p:spPr bwMode="auto">
+                      <a:xfrm>
+                        <a:off x="0" y="0"/>
+                        <a:ext cx="10723972" cy="5638800"/>
+                      </a:xfrm>
+                      <a:prstGeom prst="rect">
+                        <a:avLst/>
+                      </a:prstGeom>
+                      <a:noFill/>
+                    </p:spPr>
+                  </p:pic>
+                </p:oleObj>
+              </mc:Fallback>
+            </mc:AlternateContent>
+          </a:graphicData>
+        </a:graphic>
+      </p:graphicFrame>
+    </p:spTree>
+    <p:extLst>
+      <p:ext uri="{BB962C8B-B14F-4D97-AF65-F5344CB8AC3E}">
+        <p14:creationId xmlns:p14="http://schemas.microsoft.com/office/powerpoint/2010/main" val="1738910741"/>
+      </p:ext>
+    </p:extLst>
+  </p:cSld>
+  <p:clrMapOvr>
+    <a:masterClrMapping/>
+  </p:clrMapOvr>
+  <p:timing>
+    <p:tnLst>
+      <p:par>
+        <p:cTn id="1" dur="indefinite" restart="never" nodeType="tmRoot"/>
+      </p:par>
+    </p:tnLst>
+  </p:timing>
+</p:sld>
+</file>
+
+<file path=ppt/slides/slide4.xml><?xml version="1.0" encoding="utf-8"?>
+<p:sld xmlns:a="http://schemas.openxmlformats.org/drawingml/2006/main" xmlns:r="http://schemas.openxmlformats.org/officeDocument/2006/relationships" xmlns:p="http://schemas.openxmlformats.org/presentationml/2006/main">
+  <p:cSld>
+    <p:spTree>
+      <p:nvGrpSpPr>
+        <p:cNvPr id="1" name=""/>
+        <p:cNvGrpSpPr/>
+        <p:nvPr/>
+      </p:nvGrpSpPr>
+      <p:grpSpPr>
+        <a:xfrm>
+          <a:off x="0" y="0"/>
+          <a:ext cx="0" cy="0"/>
+          <a:chOff x="0" y="0"/>
+          <a:chExt cx="0" cy="0"/>
+        </a:xfrm>
+      </p:grpSpPr>
+      <p:sp>
+        <p:nvSpPr>
+          <p:cNvPr id="4" name="Rectangle 2"/>
+          <p:cNvSpPr>
+            <a:spLocks noChangeArrowheads="1"/>
+          </p:cNvSpPr>
+          <p:nvPr/>
+        </p:nvSpPr>
+        <p:spPr bwMode="auto">
+          <a:xfrm>
+            <a:off x="0" y="0"/>
+            <a:ext cx="9144000" cy="0"/>
+          </a:xfrm>
+          <a:prstGeom prst="rect">
+            <a:avLst/>
+          </a:prstGeom>
+          <a:noFill/>
+          <a:ln>
+            <a:noFill/>
+          </a:ln>
+          <a:effectLst/>
+          <a:extLst>
+            <a:ext uri="{909E8E84-426E-40DD-AFC4-6F175D3DCCD1}">
+              <a14:hiddenFill xmlns:a14="http://schemas.microsoft.com/office/drawing/2010/main">
+                <a:solidFill>
+                  <a:schemeClr val="accent1"/>
+                </a:solidFill>
+              </a14:hiddenFill>
+            </a:ext>
+            <a:ext uri="{91240B29-F687-4F45-9708-019B960494DF}">
+              <a14:hiddenLine xmlns:a14="http://schemas.microsoft.com/office/drawing/2010/main" w="9525">
+                <a:solidFill>
+                  <a:schemeClr val="tx1"/>
+                </a:solidFill>
+                <a:miter lim="800000"/>
+                <a:headEnd/>
+                <a:tailEnd/>
+              </a14:hiddenLine>
+            </a:ext>
+            <a:ext uri="{AF507438-7753-43E0-B8FC-AC1667EBCBE1}">
+              <a14:hiddenEffects xmlns:a14="http://schemas.microsoft.com/office/drawing/2010/main">
+                <a:effectLst>
+                  <a:outerShdw dist="35921" dir="2700000" algn="ctr" rotWithShape="0">
+                    <a:schemeClr val="bg2"/>
+                  </a:outerShdw>
+                </a:effectLst>
+              </a14:hiddenEffects>
+            </a:ext>
+          </a:extLst>
+        </p:spPr>
+        <p:txBody>
+          <a:bodyPr vert="horz" wrap="none" lIns="91440" tIns="45720" rIns="91440" bIns="45720" numCol="1" anchor="ctr" anchorCtr="0" compatLnSpc="1">
+            <a:prstTxWarp prst="textNoShape">
+              <a:avLst/>
+            </a:prstTxWarp>
+            <a:spAutoFit/>
+          </a:bodyPr>
+          <a:lstStyle/>
+          <a:p>
+            <a:endParaRPr lang="en-US"/>
+          </a:p>
+        </p:txBody>
+      </p:sp>
+      <p:graphicFrame>
+        <p:nvGraphicFramePr>
+          <p:cNvPr id="5" name="4 Objeto"/>
+          <p:cNvGraphicFramePr>
+            <a:graphicFrameLocks noChangeAspect="1"/>
+          </p:cNvGraphicFramePr>
+          <p:nvPr>
+            <p:extLst>
+              <p:ext uri="{D42A27DB-BD31-4B8C-83A1-F6EECF244321}">
+                <p14:modId xmlns:p14="http://schemas.microsoft.com/office/powerpoint/2010/main" val="3722594690"/>
+              </p:ext>
+            </p:extLst>
+          </p:nvPr>
+        </p:nvGraphicFramePr>
+        <p:xfrm>
+          <a:off x="-1" y="0"/>
+          <a:ext cx="11857463" cy="5334000"/>
+        </p:xfrm>
+        <a:graphic>
+          <a:graphicData uri="http://schemas.openxmlformats.org/presentationml/2006/ole">
+            <mc:AlternateContent xmlns:mc="http://schemas.openxmlformats.org/markup-compatibility/2006">
+              <mc:Choice xmlns:v="urn:schemas-microsoft-com:vml" Requires="v">
+                <p:oleObj spid="_x0000_s5124" name="Visio" r:id="rId3" imgW="6072879" imgH="2737544" progId="Visio.Drawing.11">
+                  <p:embed/>
+                </p:oleObj>
+              </mc:Choice>
+              <mc:Fallback>
+                <p:oleObj name="Visio" r:id="rId3" imgW="6072879" imgH="2737544" progId="Visio.Drawing.11">
+                  <p:embed/>
+                  <p:pic>
+                    <p:nvPicPr>
+                      <p:cNvPr id="0" name="Object 1"/>
+                      <p:cNvPicPr>
+                        <a:picLocks noChangeAspect="1" noChangeArrowheads="1"/>
+                      </p:cNvPicPr>
+                      <p:nvPr/>
+                    </p:nvPicPr>
+                    <p:blipFill>
+                      <a:blip r:embed="rId4">
+                        <a:extLst>
+                          <a:ext uri="{28A0092B-C50C-407E-A947-70E740481C1C}">
+                            <a14:useLocalDpi xmlns:a14="http://schemas.microsoft.com/office/drawing/2010/main" val="0"/>
+                          </a:ext>
+                        </a:extLst>
+                      </a:blip>
+                      <a:srcRect/>
+                      <a:stretch>
+                        <a:fillRect/>
+                      </a:stretch>
+                    </p:blipFill>
+                    <p:spPr bwMode="auto">
+                      <a:xfrm>
+                        <a:off x="-1" y="0"/>
+                        <a:ext cx="11857463" cy="5334000"/>
+                      </a:xfrm>
+                      <a:prstGeom prst="rect">
+                        <a:avLst/>
+                      </a:prstGeom>
+                      <a:noFill/>
+                    </p:spPr>
+                  </p:pic>
+                </p:oleObj>
+              </mc:Fallback>
+            </mc:AlternateContent>
+          </a:graphicData>
+        </a:graphic>
+      </p:graphicFrame>
+    </p:spTree>
+    <p:extLst>
+      <p:ext uri="{BB962C8B-B14F-4D97-AF65-F5344CB8AC3E}">
+        <p14:creationId xmlns:p14="http://schemas.microsoft.com/office/powerpoint/2010/main" val="3369378944"/>
+      </p:ext>
+    </p:extLst>
+  </p:cSld>
+  <p:clrMapOvr>
+    <a:masterClrMapping/>
+  </p:clrMapOvr>
+  <p:timing>
+    <p:tnLst>
+      <p:par>
+        <p:cTn id="1" dur="indefinite" restart="never" nodeType="tmRoot"/>
+      </p:par>
+    </p:tnLst>
+  </p:timing>
+</p:sld>
+</file>
+
+<file path=ppt/slides/slide5.xml><?xml version="1.0" encoding="utf-8"?>
+<p:sld xmlns:a="http://schemas.openxmlformats.org/drawingml/2006/main" xmlns:r="http://schemas.openxmlformats.org/officeDocument/2006/relationships" xmlns:p="http://schemas.openxmlformats.org/presentationml/2006/main">
+  <p:cSld>
+    <p:spTree>
+      <p:nvGrpSpPr>
+        <p:cNvPr id="1" name=""/>
+        <p:cNvGrpSpPr/>
+        <p:nvPr/>
+      </p:nvGrpSpPr>
+      <p:grpSpPr>
+        <a:xfrm>
+          <a:off x="0" y="0"/>
+          <a:ext cx="0" cy="0"/>
+          <a:chOff x="0" y="0"/>
+          <a:chExt cx="0" cy="0"/>
+        </a:xfrm>
+      </p:grpSpPr>
+      <p:sp>
+        <p:nvSpPr>
+          <p:cNvPr id="4" name="Rectangle 2"/>
+          <p:cNvSpPr>
+            <a:spLocks noChangeArrowheads="1"/>
+          </p:cNvSpPr>
+          <p:nvPr/>
+        </p:nvSpPr>
+        <p:spPr bwMode="auto">
+          <a:xfrm>
+            <a:off x="0" y="0"/>
+            <a:ext cx="9144000" cy="0"/>
+          </a:xfrm>
+          <a:prstGeom prst="rect">
+            <a:avLst/>
+          </a:prstGeom>
+          <a:noFill/>
+          <a:ln>
+            <a:noFill/>
+          </a:ln>
+          <a:effectLst/>
+          <a:extLst>
+            <a:ext uri="{909E8E84-426E-40DD-AFC4-6F175D3DCCD1}">
+              <a14:hiddenFill xmlns:a14="http://schemas.microsoft.com/office/drawing/2010/main">
+                <a:solidFill>
+                  <a:schemeClr val="accent1"/>
+                </a:solidFill>
+              </a14:hiddenFill>
+            </a:ext>
+            <a:ext uri="{91240B29-F687-4F45-9708-019B960494DF}">
+              <a14:hiddenLine xmlns:a14="http://schemas.microsoft.com/office/drawing/2010/main" w="9525">
+                <a:solidFill>
+                  <a:schemeClr val="tx1"/>
+                </a:solidFill>
+                <a:miter lim="800000"/>
+                <a:headEnd/>
+                <a:tailEnd/>
+              </a14:hiddenLine>
+            </a:ext>
+            <a:ext uri="{AF507438-7753-43E0-B8FC-AC1667EBCBE1}">
+              <a14:hiddenEffects xmlns:a14="http://schemas.microsoft.com/office/drawing/2010/main">
+                <a:effectLst>
+                  <a:outerShdw dist="35921" dir="2700000" algn="ctr" rotWithShape="0">
+                    <a:schemeClr val="bg2"/>
+                  </a:outerShdw>
+                </a:effectLst>
+              </a14:hiddenEffects>
+            </a:ext>
+          </a:extLst>
+        </p:spPr>
+        <p:txBody>
+          <a:bodyPr vert="horz" wrap="none" lIns="91440" tIns="45720" rIns="91440" bIns="45720" numCol="1" anchor="ctr" anchorCtr="0" compatLnSpc="1">
+            <a:prstTxWarp prst="textNoShape">
+              <a:avLst/>
+            </a:prstTxWarp>
+            <a:spAutoFit/>
+          </a:bodyPr>
+          <a:lstStyle/>
+          <a:p>
+            <a:endParaRPr lang="en-US"/>
+          </a:p>
+        </p:txBody>
+      </p:sp>
+      <p:graphicFrame>
+        <p:nvGraphicFramePr>
+          <p:cNvPr id="5" name="4 Objeto"/>
+          <p:cNvGraphicFramePr>
+            <a:graphicFrameLocks noChangeAspect="1"/>
+          </p:cNvGraphicFramePr>
+          <p:nvPr>
+            <p:extLst>
+              <p:ext uri="{D42A27DB-BD31-4B8C-83A1-F6EECF244321}">
+                <p14:modId xmlns:p14="http://schemas.microsoft.com/office/powerpoint/2010/main" val="1736629282"/>
+              </p:ext>
+            </p:extLst>
+          </p:nvPr>
+        </p:nvGraphicFramePr>
+        <p:xfrm>
+          <a:off x="0" y="0"/>
+          <a:ext cx="10433384" cy="6553200"/>
+        </p:xfrm>
+        <a:graphic>
+          <a:graphicData uri="http://schemas.openxmlformats.org/presentationml/2006/ole">
+            <mc:AlternateContent xmlns:mc="http://schemas.openxmlformats.org/markup-compatibility/2006">
+              <mc:Choice xmlns:v="urn:schemas-microsoft-com:vml" Requires="v">
+                <p:oleObj spid="_x0000_s1029" name="Visio" r:id="rId3" imgW="9886205" imgH="6188508" progId="Visio.Drawing.11">
+                  <p:embed/>
+                </p:oleObj>
+              </mc:Choice>
+              <mc:Fallback>
+                <p:oleObj name="Visio" r:id="rId3" imgW="9886205" imgH="6188508" progId="Visio.Drawing.11">
+                  <p:embed/>
+                  <p:pic>
+                    <p:nvPicPr>
+                      <p:cNvPr id="0" name="Object 1"/>
+                      <p:cNvPicPr>
+                        <a:picLocks noChangeAspect="1" noChangeArrowheads="1"/>
+                      </p:cNvPicPr>
+                      <p:nvPr/>
+                    </p:nvPicPr>
+                    <p:blipFill>
+                      <a:blip r:embed="rId4"/>
+                      <a:srcRect/>
+                      <a:stretch>
+                        <a:fillRect/>
+                      </a:stretch>
+                    </p:blipFill>
+                    <p:spPr bwMode="auto">
+                      <a:xfrm>
+                        <a:off x="0" y="0"/>
+                        <a:ext cx="10433384" cy="6553200"/>
+                      </a:xfrm>
+                      <a:prstGeom prst="rect">
+                        <a:avLst/>
+                      </a:prstGeom>
+                      <a:noFill/>
+                    </p:spPr>
+                  </p:pic>
+                </p:oleObj>
+              </mc:Fallback>
+            </mc:AlternateContent>
+          </a:graphicData>
+        </a:graphic>
+      </p:graphicFrame>
+    </p:spTree>
+    <p:extLst>
+      <p:ext uri="{BB962C8B-B14F-4D97-AF65-F5344CB8AC3E}">
+        <p14:creationId xmlns:p14="http://schemas.microsoft.com/office/powerpoint/2010/main" val="2676265112"/>
+      </p:ext>
+    </p:extLst>
+  </p:cSld>
+  <p:clrMapOvr>
+    <a:masterClrMapping/>
+  </p:clrMapOvr>
+  <p:timing>
+    <p:tnLst>
+      <p:par>
+        <p:cTn id="1" dur="indefinite" restart="never" nodeType="tmRoot"/>
+      </p:par>
+    </p:tnLst>
+  </p:timing>
+</p:sld>
+</file>
+
+<file path=ppt/slides/slide6.xml><?xml version="1.0" encoding="utf-8"?>
+<p:sld xmlns:a="http://schemas.openxmlformats.org/drawingml/2006/main" xmlns:r="http://schemas.openxmlformats.org/officeDocument/2006/relationships" xmlns:p="http://schemas.openxmlformats.org/presentationml/2006/main">
+  <p:cSld>
+    <p:spTree>
+      <p:nvGrpSpPr>
+        <p:cNvPr id="1" name=""/>
+        <p:cNvGrpSpPr/>
+        <p:nvPr/>
+      </p:nvGrpSpPr>
+      <p:grpSpPr>
+        <a:xfrm>
+          <a:off x="0" y="0"/>
+          <a:ext cx="0" cy="0"/>
+          <a:chOff x="0" y="0"/>
+          <a:chExt cx="0" cy="0"/>
+        </a:xfrm>
+      </p:grpSpPr>
+      <p:sp>
+        <p:nvSpPr>
+          <p:cNvPr id="4" name="Rectangle 2"/>
+          <p:cNvSpPr>
+            <a:spLocks noChangeArrowheads="1"/>
+          </p:cNvSpPr>
+          <p:nvPr/>
+        </p:nvSpPr>
+        <p:spPr bwMode="auto">
+          <a:xfrm>
+            <a:off x="0" y="0"/>
+            <a:ext cx="9144000" cy="0"/>
+          </a:xfrm>
+          <a:prstGeom prst="rect">
+            <a:avLst/>
+          </a:prstGeom>
+          <a:noFill/>
+          <a:ln>
+            <a:noFill/>
+          </a:ln>
+          <a:effectLst/>
+          <a:extLst>
+            <a:ext uri="{909E8E84-426E-40DD-AFC4-6F175D3DCCD1}">
+              <a14:hiddenFill xmlns:a14="http://schemas.microsoft.com/office/drawing/2010/main">
+                <a:solidFill>
+                  <a:schemeClr val="accent1"/>
+                </a:solidFill>
+              </a14:hiddenFill>
+            </a:ext>
+            <a:ext uri="{91240B29-F687-4F45-9708-019B960494DF}">
+              <a14:hiddenLine xmlns:a14="http://schemas.microsoft.com/office/drawing/2010/main" w="9525">
+                <a:solidFill>
+                  <a:schemeClr val="tx1"/>
+                </a:solidFill>
+                <a:miter lim="800000"/>
+                <a:headEnd/>
+                <a:tailEnd/>
+              </a14:hiddenLine>
+            </a:ext>
+            <a:ext uri="{AF507438-7753-43E0-B8FC-AC1667EBCBE1}">
+              <a14:hiddenEffects xmlns:a14="http://schemas.microsoft.com/office/drawing/2010/main">
+                <a:effectLst>
+                  <a:outerShdw dist="35921" dir="2700000" algn="ctr" rotWithShape="0">
+                    <a:schemeClr val="bg2"/>
+                  </a:outerShdw>
+                </a:effectLst>
+              </a14:hiddenEffects>
+            </a:ext>
+          </a:extLst>
+        </p:spPr>
+        <p:txBody>
+          <a:bodyPr vert="horz" wrap="none" lIns="91440" tIns="45720" rIns="91440" bIns="45720" numCol="1" anchor="ctr" anchorCtr="0" compatLnSpc="1">
+            <a:prstTxWarp prst="textNoShape">
+              <a:avLst/>
+            </a:prstTxWarp>
+            <a:spAutoFit/>
+          </a:bodyPr>
+          <a:lstStyle/>
+          <a:p>
+            <a:endParaRPr lang="en-US"/>
+          </a:p>
+        </p:txBody>
+      </p:sp>
+      <p:graphicFrame>
+        <p:nvGraphicFramePr>
+          <p:cNvPr id="5" name="4 Objeto"/>
+          <p:cNvGraphicFramePr>
+            <a:graphicFrameLocks noChangeAspect="1"/>
+          </p:cNvGraphicFramePr>
+          <p:nvPr>
+            <p:extLst>
+              <p:ext uri="{D42A27DB-BD31-4B8C-83A1-F6EECF244321}">
+                <p14:modId xmlns:p14="http://schemas.microsoft.com/office/powerpoint/2010/main" val="3749043591"/>
+              </p:ext>
+            </p:extLst>
+          </p:nvPr>
+        </p:nvGraphicFramePr>
+        <p:xfrm>
+          <a:off x="0" y="0"/>
+          <a:ext cx="9400510" cy="5029200"/>
+        </p:xfrm>
+        <a:graphic>
+          <a:graphicData uri="http://schemas.openxmlformats.org/presentationml/2006/ole">
+            <mc:AlternateContent xmlns:mc="http://schemas.openxmlformats.org/markup-compatibility/2006">
+              <mc:Choice xmlns:v="urn:schemas-microsoft-com:vml" Requires="v">
+                <p:oleObj spid="_x0000_s2052" name="Visio" r:id="rId3" imgW="7426568" imgH="3973586" progId="Visio.Drawing.11">
+                  <p:embed/>
+                </p:oleObj>
+              </mc:Choice>
+              <mc:Fallback>
+                <p:oleObj name="Visio" r:id="rId3" imgW="7426568" imgH="3973586" progId="Visio.Drawing.11">
+                  <p:embed/>
+                  <p:pic>
+                    <p:nvPicPr>
+                      <p:cNvPr id="0" name="Object 1"/>
+                      <p:cNvPicPr>
+                        <a:picLocks noChangeAspect="1" noChangeArrowheads="1"/>
+                      </p:cNvPicPr>
+                      <p:nvPr/>
+                    </p:nvPicPr>
+                    <p:blipFill>
+                      <a:blip r:embed="rId4">
+                        <a:extLst>
+                          <a:ext uri="{28A0092B-C50C-407E-A947-70E740481C1C}">
+                            <a14:useLocalDpi xmlns:a14="http://schemas.microsoft.com/office/drawing/2010/main" val="0"/>
+                          </a:ext>
+                        </a:extLst>
+                      </a:blip>
+                      <a:srcRect/>
+                      <a:stretch>
+                        <a:fillRect/>
+                      </a:stretch>
+                    </p:blipFill>
+                    <p:spPr bwMode="auto">
+                      <a:xfrm>
+                        <a:off x="0" y="0"/>
+                        <a:ext cx="9400510" cy="5029200"/>
+                      </a:xfrm>
+                      <a:prstGeom prst="rect">
+                        <a:avLst/>
+                      </a:prstGeom>
+                      <a:noFill/>
+                    </p:spPr>
+                  </p:pic>
+                </p:oleObj>
+              </mc:Fallback>
+            </mc:AlternateContent>
+          </a:graphicData>
+        </a:graphic>
+      </p:graphicFrame>
+    </p:spTree>
+    <p:extLst>
+      <p:ext uri="{BB962C8B-B14F-4D97-AF65-F5344CB8AC3E}">
+        <p14:creationId xmlns:p14="http://schemas.microsoft.com/office/powerpoint/2010/main" val="1299266724"/>
+      </p:ext>
+    </p:extLst>
+  </p:cSld>
+  <p:clrMapOvr>
+    <a:masterClrMapping/>
+  </p:clrMapOvr>
+  <p:timing>
+    <p:tnLst>
+      <p:par>
+        <p:cTn id="1" dur="indefinite" restart="never" nodeType="tmRoot"/>
+      </p:par>
+    </p:tnLst>
+  </p:timing>
+</p:sld>
+</file>
+
+<file path=ppt/slides/slide7.xml><?xml version="1.0" encoding="utf-8"?>
+<p:sld xmlns:a="http://schemas.openxmlformats.org/drawingml/2006/main" xmlns:r="http://schemas.openxmlformats.org/officeDocument/2006/relationships" xmlns:p="http://schemas.openxmlformats.org/presentationml/2006/main">
+  <p:cSld>
+    <p:spTree>
+      <p:nvGrpSpPr>
+        <p:cNvPr id="1" name=""/>
+        <p:cNvGrpSpPr/>
+        <p:nvPr/>
+      </p:nvGrpSpPr>
+      <p:grpSpPr>
+        <a:xfrm>
+          <a:off x="0" y="0"/>
+          <a:ext cx="0" cy="0"/>
+          <a:chOff x="0" y="0"/>
+          <a:chExt cx="0" cy="0"/>
+        </a:xfrm>
+      </p:grpSpPr>
+      <p:pic>
+        <p:nvPicPr>
+          <p:cNvPr id="6146" name="Picture 2"/>
+          <p:cNvPicPr>
+            <a:picLocks noChangeAspect="1" noChangeArrowheads="1"/>
+          </p:cNvPicPr>
+          <p:nvPr/>
+        </p:nvPicPr>
+        <p:blipFill>
+          <a:blip r:embed="rId2">
+            <a:extLst>
+              <a:ext uri="{28A0092B-C50C-407E-A947-70E740481C1C}">
+                <a14:useLocalDpi xmlns:a14="http://schemas.microsoft.com/office/drawing/2010/main" val="0"/>
+              </a:ext>
+            </a:extLst>
+          </a:blip>
+          <a:srcRect/>
+          <a:stretch>
+            <a:fillRect/>
+          </a:stretch>
+        </p:blipFill>
+        <p:spPr bwMode="auto">
+          <a:xfrm>
+            <a:off x="0" y="0"/>
+            <a:ext cx="12249150" cy="9467850"/>
+          </a:xfrm>
+          <a:prstGeom prst="rect">
+            <a:avLst/>
+          </a:prstGeom>
+          <a:noFill/>
+          <a:ln>
+            <a:noFill/>
+          </a:ln>
+          <a:extLst>
+            <a:ext uri="{909E8E84-426E-40DD-AFC4-6F175D3DCCD1}">
+              <a14:hiddenFill xmlns:a14="http://schemas.microsoft.com/office/drawing/2010/main">
+                <a:solidFill>
+                  <a:schemeClr val="accent1"/>
+                </a:solidFill>
+              </a14:hiddenFill>
+            </a:ext>
+            <a:ext uri="{91240B29-F687-4F45-9708-019B960494DF}">
+              <a14:hiddenLine xmlns:a14="http://schemas.microsoft.com/office/drawing/2010/main" w="9525">
+                <a:solidFill>
+                  <a:schemeClr val="tx1"/>
+                </a:solidFill>
+                <a:miter lim="800000"/>
+                <a:headEnd/>
+                <a:tailEnd/>
+              </a14:hiddenLine>
+            </a:ext>
+          </a:extLst>
+        </p:spPr>
+      </p:pic>
+    </p:spTree>
+    <p:extLst>
+      <p:ext uri="{BB962C8B-B14F-4D97-AF65-F5344CB8AC3E}">
+        <p14:creationId xmlns:p14="http://schemas.microsoft.com/office/powerpoint/2010/main" val="501600764"/>
+      </p:ext>
+    </p:extLst>
+  </p:cSld>
+  <p:clrMapOvr>
+    <a:masterClrMapping/>
+  </p:clrMapOvr>
+  <p:timing>
+    <p:tnLst>
+      <p:par>
+        <p:cTn id="1" dur="indefinite" restart="never" nodeType="tmRoot"/>
+      </p:par>
+    </p:tnLst>
+  </p:timing>
+</p:sld>
+</file>
+
+<file path=ppt/slides/slide8.xml><?xml version="1.0" encoding="utf-8"?>
+<p:sld xmlns:a="http://schemas.openxmlformats.org/drawingml/2006/main" xmlns:r="http://schemas.openxmlformats.org/officeDocument/2006/relationships" xmlns:p="http://schemas.openxmlformats.org/presentationml/2006/main">
+  <p:cSld>
+    <p:spTree>
+      <p:nvGrpSpPr>
+        <p:cNvPr id="1" name=""/>
+        <p:cNvGrpSpPr/>
+        <p:nvPr/>
+      </p:nvGrpSpPr>
+      <p:grpSpPr>
+        <a:xfrm>
+          <a:off x="0" y="0"/>
+          <a:ext cx="0" cy="0"/>
+          <a:chOff x="0" y="0"/>
+          <a:chExt cx="0" cy="0"/>
+        </a:xfrm>
+      </p:grpSpPr>
+      <p:pic>
+        <p:nvPicPr>
+          <p:cNvPr id="7170" name="Picture 2"/>
+          <p:cNvPicPr>
+            <a:picLocks noChangeAspect="1" noChangeArrowheads="1"/>
+          </p:cNvPicPr>
+          <p:nvPr/>
+        </p:nvPicPr>
+        <p:blipFill>
+          <a:blip r:embed="rId2">
+            <a:extLst>
+              <a:ext uri="{28A0092B-C50C-407E-A947-70E740481C1C}">
+                <a14:useLocalDpi xmlns:a14="http://schemas.microsoft.com/office/drawing/2010/main" val="0"/>
+              </a:ext>
+            </a:extLst>
+          </a:blip>
+          <a:srcRect/>
+          <a:stretch>
+            <a:fillRect/>
+          </a:stretch>
+        </p:blipFill>
+        <p:spPr bwMode="auto">
+          <a:xfrm>
+            <a:off x="0" y="0"/>
+            <a:ext cx="12249150" cy="9467850"/>
+          </a:xfrm>
+          <a:prstGeom prst="rect">
+            <a:avLst/>
+          </a:prstGeom>
+          <a:noFill/>
+          <a:ln>
+            <a:noFill/>
+          </a:ln>
+          <a:extLst>
+            <a:ext uri="{909E8E84-426E-40DD-AFC4-6F175D3DCCD1}">
+              <a14:hiddenFill xmlns:a14="http://schemas.microsoft.com/office/drawing/2010/main">
+                <a:solidFill>
+                  <a:schemeClr val="accent1"/>
+                </a:solidFill>
+              </a14:hiddenFill>
+            </a:ext>
+            <a:ext uri="{91240B29-F687-4F45-9708-019B960494DF}">
+              <a14:hiddenLine xmlns:a14="http://schemas.microsoft.com/office/drawing/2010/main" w="9525">
+                <a:solidFill>
+                  <a:schemeClr val="tx1"/>
+                </a:solidFill>
+                <a:miter lim="800000"/>
+                <a:headEnd/>
+                <a:tailEnd/>
+              </a14:hiddenLine>
+            </a:ext>
+          </a:extLst>
+        </p:spPr>
+      </p:pic>
+    </p:spTree>
+    <p:extLst>
+      <p:ext uri="{BB962C8B-B14F-4D97-AF65-F5344CB8AC3E}">
+        <p14:creationId xmlns:p14="http://schemas.microsoft.com/office/powerpoint/2010/main" val="2170714030"/>
+      </p:ext>
+    </p:extLst>
+  </p:cSld>
+  <p:clrMapOvr>
+    <a:masterClrMapping/>
+  </p:clrMapOvr>
+  <p:timing>
+    <p:tnLst>
+      <p:par>
+        <p:cTn id="1" dur="indefinite" restart="never" nodeType="tmRoot"/>
+      </p:par>
+    </p:tnLst>
+  </p:timing>
+</p:sld>
+</file>
+
 <file path=ppt/theme/theme1.xml><?xml version="1.0" encoding="utf-8"?>
 <a:theme xmlns:a="http://schemas.openxmlformats.org/drawingml/2006/main" name="Tema de Office">
   <a:themeElements>
